--- a/flying_drones_with_gestures.pptx
+++ b/flying_drones_with_gestures.pptx
@@ -5,13 +5,14 @@
     <p:sldMasterId id="2147483648" r:id="rId4"/>
   </p:sldMasterIdLst>
   <p:notesMasterIdLst>
-    <p:notesMasterId r:id="rId9"/>
+    <p:notesMasterId r:id="rId10"/>
   </p:notesMasterIdLst>
   <p:sldIdLst>
     <p:sldId id="272" r:id="rId5"/>
     <p:sldId id="285" r:id="rId6"/>
     <p:sldId id="286" r:id="rId7"/>
-    <p:sldId id="271" r:id="rId8"/>
+    <p:sldId id="287" r:id="rId8"/>
+    <p:sldId id="271" r:id="rId9"/>
   </p:sldIdLst>
   <p:sldSz cx="12192000" cy="6858000"/>
   <p:notesSz cx="6858000" cy="9144000"/>
@@ -1112,7 +1113,7 @@
           <a:p>
             <a:fld id="{96B78F0C-DB03-4D08-9059-9979641CEEA3}" type="datetimeFigureOut">
               <a:rPr lang="en-US" smtClean="0"/>
-              <a:t>10/1/2018</a:t>
+              <a:t>10/2/2018</a:t>
             </a:fld>
             <a:endParaRPr lang="en-US"/>
           </a:p>
@@ -9190,7 +9191,7 @@
           <a:p>
             <a:fld id="{C21147C8-3BDC-4528-8DD9-1CA3516CDAE4}" type="datetime4">
               <a:rPr lang="en-US" smtClean="0"/>
-              <a:t>October 1, 2018</a:t>
+              <a:t>October 2, 2018</a:t>
             </a:fld>
             <a:endParaRPr lang="en-US" dirty="0"/>
           </a:p>
@@ -10977,7 +10978,7 @@
           <a:p>
             <a:fld id="{E7720AB0-D943-4E26-B0C0-37EB45539734}" type="datetime4">
               <a:rPr lang="en-US" smtClean="0"/>
-              <a:t>October 1, 2018</a:t>
+              <a:t>October 2, 2018</a:t>
             </a:fld>
             <a:endParaRPr lang="en-US"/>
           </a:p>
@@ -19595,6 +19596,913 @@
 </file>
 
 <file path=ppt/slides/slide4.xml><?xml version="1.0" encoding="utf-8"?>
+<p:sld xmlns:a="http://schemas.openxmlformats.org/drawingml/2006/main" xmlns:r="http://schemas.openxmlformats.org/officeDocument/2006/relationships" xmlns:p="http://schemas.openxmlformats.org/presentationml/2006/main">
+  <p:cSld>
+    <p:spTree>
+      <p:nvGrpSpPr>
+        <p:cNvPr id="1" name=""/>
+        <p:cNvGrpSpPr/>
+        <p:nvPr/>
+      </p:nvGrpSpPr>
+      <p:grpSpPr>
+        <a:xfrm>
+          <a:off x="0" y="0"/>
+          <a:ext cx="0" cy="0"/>
+          <a:chOff x="0" y="0"/>
+          <a:chExt cx="0" cy="0"/>
+        </a:xfrm>
+      </p:grpSpPr>
+      <p:sp>
+        <p:nvSpPr>
+          <p:cNvPr id="3" name="Title 2">
+            <a:extLst>
+              <a:ext uri="{FF2B5EF4-FFF2-40B4-BE49-F238E27FC236}">
+                <a16:creationId xmlns:a16="http://schemas.microsoft.com/office/drawing/2014/main" id="{A9253D77-EC89-457C-99F6-299AB33512BB}"/>
+              </a:ext>
+            </a:extLst>
+          </p:cNvPr>
+          <p:cNvSpPr>
+            <a:spLocks noGrp="1"/>
+          </p:cNvSpPr>
+          <p:nvPr>
+            <p:ph type="title"/>
+          </p:nvPr>
+        </p:nvSpPr>
+        <p:spPr/>
+        <p:txBody>
+          <a:bodyPr>
+            <a:normAutofit fontScale="90000"/>
+          </a:bodyPr>
+          <a:lstStyle/>
+          <a:p>
+            <a:r>
+              <a:rPr lang="de-CH" dirty="0" err="1"/>
+              <a:t>Gestures</a:t>
+            </a:r>
+            <a:endParaRPr lang="de-CH" dirty="0"/>
+          </a:p>
+        </p:txBody>
+      </p:sp>
+      <p:sp>
+        <p:nvSpPr>
+          <p:cNvPr id="4" name="Footer Placeholder 3">
+            <a:extLst>
+              <a:ext uri="{FF2B5EF4-FFF2-40B4-BE49-F238E27FC236}">
+                <a16:creationId xmlns:a16="http://schemas.microsoft.com/office/drawing/2014/main" id="{22143C23-BC92-444A-875B-C25A121CDED3}"/>
+              </a:ext>
+            </a:extLst>
+          </p:cNvPr>
+          <p:cNvSpPr>
+            <a:spLocks noGrp="1"/>
+          </p:cNvSpPr>
+          <p:nvPr>
+            <p:ph type="ftr" sz="quarter" idx="11"/>
+          </p:nvPr>
+        </p:nvSpPr>
+        <p:spPr/>
+        <p:txBody>
+          <a:bodyPr/>
+          <a:lstStyle/>
+          <a:p>
+            <a:r>
+              <a:rPr lang="en-US"/>
+              <a:t>Confidential</a:t>
+            </a:r>
+          </a:p>
+        </p:txBody>
+      </p:sp>
+      <p:sp>
+        <p:nvSpPr>
+          <p:cNvPr id="5" name="Slide Number Placeholder 4">
+            <a:extLst>
+              <a:ext uri="{FF2B5EF4-FFF2-40B4-BE49-F238E27FC236}">
+                <a16:creationId xmlns:a16="http://schemas.microsoft.com/office/drawing/2014/main" id="{3A2A659F-A783-4AE7-BD4E-377371AF4DBC}"/>
+              </a:ext>
+            </a:extLst>
+          </p:cNvPr>
+          <p:cNvSpPr>
+            <a:spLocks noGrp="1"/>
+          </p:cNvSpPr>
+          <p:nvPr>
+            <p:ph type="sldNum" sz="quarter" idx="12"/>
+          </p:nvPr>
+        </p:nvSpPr>
+        <p:spPr/>
+        <p:txBody>
+          <a:bodyPr/>
+          <a:lstStyle/>
+          <a:p>
+            <a:fld id="{0D3FE423-99AA-8A44-92E3-1EA415DCE0E9}" type="slidenum">
+              <a:rPr lang="en-US" smtClean="0"/>
+              <a:pPr/>
+              <a:t>4</a:t>
+            </a:fld>
+            <a:endParaRPr lang="en-US" dirty="0"/>
+          </a:p>
+        </p:txBody>
+      </p:sp>
+      <p:pic>
+        <p:nvPicPr>
+          <p:cNvPr id="7" name="Picture 6">
+            <a:extLst>
+              <a:ext uri="{FF2B5EF4-FFF2-40B4-BE49-F238E27FC236}">
+                <a16:creationId xmlns:a16="http://schemas.microsoft.com/office/drawing/2014/main" id="{98C7D362-4ACE-4AED-830D-D57A470A4D43}"/>
+              </a:ext>
+            </a:extLst>
+          </p:cNvPr>
+          <p:cNvPicPr>
+            <a:picLocks noChangeAspect="1"/>
+          </p:cNvPicPr>
+          <p:nvPr/>
+        </p:nvPicPr>
+        <p:blipFill rotWithShape="1">
+          <a:blip r:embed="rId2"/>
+          <a:srcRect l="26458" r="26340"/>
+          <a:stretch/>
+        </p:blipFill>
+        <p:spPr>
+          <a:xfrm>
+            <a:off x="9883639" y="1831610"/>
+            <a:ext cx="359725" cy="762084"/>
+          </a:xfrm>
+          <a:prstGeom prst="rect">
+            <a:avLst/>
+          </a:prstGeom>
+        </p:spPr>
+      </p:pic>
+      <p:grpSp>
+        <p:nvGrpSpPr>
+          <p:cNvPr id="8" name="Group 7">
+            <a:extLst>
+              <a:ext uri="{FF2B5EF4-FFF2-40B4-BE49-F238E27FC236}">
+                <a16:creationId xmlns:a16="http://schemas.microsoft.com/office/drawing/2014/main" id="{60B383A6-0BCD-49A3-AAC8-238473A71C63}"/>
+              </a:ext>
+            </a:extLst>
+          </p:cNvPr>
+          <p:cNvGrpSpPr/>
+          <p:nvPr/>
+        </p:nvGrpSpPr>
+        <p:grpSpPr>
+          <a:xfrm>
+            <a:off x="5408792" y="1843642"/>
+            <a:ext cx="773020" cy="762083"/>
+            <a:chOff x="5408791" y="1858882"/>
+            <a:chExt cx="1745207" cy="1720516"/>
+          </a:xfrm>
+        </p:grpSpPr>
+        <p:pic>
+          <p:nvPicPr>
+            <p:cNvPr id="9" name="Picture 8">
+              <a:extLst>
+                <a:ext uri="{FF2B5EF4-FFF2-40B4-BE49-F238E27FC236}">
+                  <a16:creationId xmlns:a16="http://schemas.microsoft.com/office/drawing/2014/main" id="{AE560F0B-83D2-4070-BEF1-3BC21B8882C1}"/>
+                </a:ext>
+              </a:extLst>
+            </p:cNvPr>
+            <p:cNvPicPr>
+              <a:picLocks noChangeAspect="1"/>
+            </p:cNvPicPr>
+            <p:nvPr/>
+          </p:nvPicPr>
+          <p:blipFill rotWithShape="1">
+            <a:blip r:embed="rId2"/>
+            <a:srcRect l="61976" r="26340"/>
+            <a:stretch/>
+          </p:blipFill>
+          <p:spPr>
+            <a:xfrm rot="16923297">
+              <a:off x="6193226" y="1446290"/>
+              <a:ext cx="201028" cy="1720516"/>
+            </a:xfrm>
+            <a:prstGeom prst="rect">
+              <a:avLst/>
+            </a:prstGeom>
+          </p:spPr>
+        </p:pic>
+        <p:pic>
+          <p:nvPicPr>
+            <p:cNvPr id="12" name="Picture 11">
+              <a:extLst>
+                <a:ext uri="{FF2B5EF4-FFF2-40B4-BE49-F238E27FC236}">
+                  <a16:creationId xmlns:a16="http://schemas.microsoft.com/office/drawing/2014/main" id="{9FCA1D12-53AF-42BC-896C-1DB7A204FE5A}"/>
+                </a:ext>
+              </a:extLst>
+            </p:cNvPr>
+            <p:cNvPicPr>
+              <a:picLocks noChangeAspect="1"/>
+            </p:cNvPicPr>
+            <p:nvPr/>
+          </p:nvPicPr>
+          <p:blipFill rotWithShape="1">
+            <a:blip r:embed="rId2"/>
+            <a:srcRect l="26314" r="38627"/>
+            <a:stretch/>
+          </p:blipFill>
+          <p:spPr>
+            <a:xfrm>
+              <a:off x="5408791" y="1858882"/>
+              <a:ext cx="603125" cy="1720516"/>
+            </a:xfrm>
+            <a:prstGeom prst="rect">
+              <a:avLst/>
+            </a:prstGeom>
+          </p:spPr>
+        </p:pic>
+      </p:grpSp>
+      <p:grpSp>
+        <p:nvGrpSpPr>
+          <p:cNvPr id="6" name="Group 5">
+            <a:extLst>
+              <a:ext uri="{FF2B5EF4-FFF2-40B4-BE49-F238E27FC236}">
+                <a16:creationId xmlns:a16="http://schemas.microsoft.com/office/drawing/2014/main" id="{B4F3FAF5-C65B-42E2-ACC5-D2A644DD211D}"/>
+              </a:ext>
+            </a:extLst>
+          </p:cNvPr>
+          <p:cNvGrpSpPr/>
+          <p:nvPr/>
+        </p:nvGrpSpPr>
+        <p:grpSpPr>
+          <a:xfrm>
+            <a:off x="2776318" y="1849982"/>
+            <a:ext cx="764506" cy="762083"/>
+            <a:chOff x="2277647" y="1849982"/>
+            <a:chExt cx="1725987" cy="1720516"/>
+          </a:xfrm>
+        </p:grpSpPr>
+        <p:pic>
+          <p:nvPicPr>
+            <p:cNvPr id="10" name="Picture 9">
+              <a:extLst>
+                <a:ext uri="{FF2B5EF4-FFF2-40B4-BE49-F238E27FC236}">
+                  <a16:creationId xmlns:a16="http://schemas.microsoft.com/office/drawing/2014/main" id="{4F539A29-13AF-44F9-855F-76614E5BDFA1}"/>
+                </a:ext>
+              </a:extLst>
+            </p:cNvPr>
+            <p:cNvPicPr>
+              <a:picLocks noChangeAspect="1"/>
+            </p:cNvPicPr>
+            <p:nvPr/>
+          </p:nvPicPr>
+          <p:blipFill rotWithShape="1">
+            <a:blip r:embed="rId2"/>
+            <a:srcRect l="26458" r="61858"/>
+            <a:stretch/>
+          </p:blipFill>
+          <p:spPr>
+            <a:xfrm rot="4779514">
+              <a:off x="3037391" y="1433292"/>
+              <a:ext cx="201028" cy="1720516"/>
+            </a:xfrm>
+            <a:prstGeom prst="rect">
+              <a:avLst/>
+            </a:prstGeom>
+          </p:spPr>
+        </p:pic>
+        <p:pic>
+          <p:nvPicPr>
+            <p:cNvPr id="13" name="Picture 12">
+              <a:extLst>
+                <a:ext uri="{FF2B5EF4-FFF2-40B4-BE49-F238E27FC236}">
+                  <a16:creationId xmlns:a16="http://schemas.microsoft.com/office/drawing/2014/main" id="{19AA3CCD-4949-450C-8AA6-A76B8C3247CD}"/>
+                </a:ext>
+              </a:extLst>
+            </p:cNvPr>
+            <p:cNvPicPr>
+              <a:picLocks noChangeAspect="1"/>
+            </p:cNvPicPr>
+            <p:nvPr/>
+          </p:nvPicPr>
+          <p:blipFill rotWithShape="1">
+            <a:blip r:embed="rId2"/>
+            <a:srcRect l="38672" r="26269"/>
+            <a:stretch/>
+          </p:blipFill>
+          <p:spPr>
+            <a:xfrm>
+              <a:off x="3400508" y="1849982"/>
+              <a:ext cx="603126" cy="1720516"/>
+            </a:xfrm>
+            <a:prstGeom prst="rect">
+              <a:avLst/>
+            </a:prstGeom>
+          </p:spPr>
+        </p:pic>
+      </p:grpSp>
+      <p:grpSp>
+        <p:nvGrpSpPr>
+          <p:cNvPr id="11" name="Group 10">
+            <a:extLst>
+              <a:ext uri="{FF2B5EF4-FFF2-40B4-BE49-F238E27FC236}">
+                <a16:creationId xmlns:a16="http://schemas.microsoft.com/office/drawing/2014/main" id="{0AB48BA6-B9CA-467A-B6E3-D373EB107F9C}"/>
+              </a:ext>
+            </a:extLst>
+          </p:cNvPr>
+          <p:cNvGrpSpPr/>
+          <p:nvPr/>
+        </p:nvGrpSpPr>
+        <p:grpSpPr>
+          <a:xfrm>
+            <a:off x="7521189" y="1499787"/>
+            <a:ext cx="349250" cy="1098318"/>
+            <a:chOff x="7542448" y="1096897"/>
+            <a:chExt cx="788484" cy="2479617"/>
+          </a:xfrm>
+        </p:grpSpPr>
+        <p:pic>
+          <p:nvPicPr>
+            <p:cNvPr id="14" name="Picture 13">
+              <a:extLst>
+                <a:ext uri="{FF2B5EF4-FFF2-40B4-BE49-F238E27FC236}">
+                  <a16:creationId xmlns:a16="http://schemas.microsoft.com/office/drawing/2014/main" id="{DE681E61-5660-4C6F-83E6-F4CB4FA80E34}"/>
+                </a:ext>
+              </a:extLst>
+            </p:cNvPr>
+            <p:cNvPicPr>
+              <a:picLocks noChangeAspect="1"/>
+            </p:cNvPicPr>
+            <p:nvPr/>
+          </p:nvPicPr>
+          <p:blipFill rotWithShape="1">
+            <a:blip r:embed="rId2"/>
+            <a:srcRect l="38672" r="38627"/>
+            <a:stretch/>
+          </p:blipFill>
+          <p:spPr>
+            <a:xfrm>
+              <a:off x="7739378" y="1855998"/>
+              <a:ext cx="390525" cy="1720516"/>
+            </a:xfrm>
+            <a:prstGeom prst="rect">
+              <a:avLst/>
+            </a:prstGeom>
+          </p:spPr>
+        </p:pic>
+        <p:pic>
+          <p:nvPicPr>
+            <p:cNvPr id="17" name="Picture 16">
+              <a:extLst>
+                <a:ext uri="{FF2B5EF4-FFF2-40B4-BE49-F238E27FC236}">
+                  <a16:creationId xmlns:a16="http://schemas.microsoft.com/office/drawing/2014/main" id="{5BABC78B-7222-419D-AA52-7FB904698109}"/>
+                </a:ext>
+              </a:extLst>
+            </p:cNvPr>
+            <p:cNvPicPr>
+              <a:picLocks noChangeAspect="1"/>
+            </p:cNvPicPr>
+            <p:nvPr/>
+          </p:nvPicPr>
+          <p:blipFill rotWithShape="1">
+            <a:blip r:embed="rId2"/>
+            <a:srcRect l="61976" r="26340"/>
+            <a:stretch/>
+          </p:blipFill>
+          <p:spPr>
+            <a:xfrm rot="10800000">
+              <a:off x="7542448" y="1096897"/>
+              <a:ext cx="201028" cy="1720516"/>
+            </a:xfrm>
+            <a:prstGeom prst="rect">
+              <a:avLst/>
+            </a:prstGeom>
+          </p:spPr>
+        </p:pic>
+        <p:pic>
+          <p:nvPicPr>
+            <p:cNvPr id="18" name="Picture 17">
+              <a:extLst>
+                <a:ext uri="{FF2B5EF4-FFF2-40B4-BE49-F238E27FC236}">
+                  <a16:creationId xmlns:a16="http://schemas.microsoft.com/office/drawing/2014/main" id="{A6FA16F4-193F-41C5-A7F5-EAEA45A30879}"/>
+                </a:ext>
+              </a:extLst>
+            </p:cNvPr>
+            <p:cNvPicPr>
+              <a:picLocks noChangeAspect="1"/>
+            </p:cNvPicPr>
+            <p:nvPr/>
+          </p:nvPicPr>
+          <p:blipFill rotWithShape="1">
+            <a:blip r:embed="rId2"/>
+            <a:srcRect l="26458" r="61858"/>
+            <a:stretch/>
+          </p:blipFill>
+          <p:spPr>
+            <a:xfrm rot="10800000">
+              <a:off x="8129904" y="1096897"/>
+              <a:ext cx="201028" cy="1720516"/>
+            </a:xfrm>
+            <a:prstGeom prst="rect">
+              <a:avLst/>
+            </a:prstGeom>
+          </p:spPr>
+        </p:pic>
+      </p:grpSp>
+      <p:grpSp>
+        <p:nvGrpSpPr>
+          <p:cNvPr id="2" name="Group 1">
+            <a:extLst>
+              <a:ext uri="{FF2B5EF4-FFF2-40B4-BE49-F238E27FC236}">
+                <a16:creationId xmlns:a16="http://schemas.microsoft.com/office/drawing/2014/main" id="{96100662-F764-4117-9449-F7381378DA92}"/>
+              </a:ext>
+            </a:extLst>
+          </p:cNvPr>
+          <p:cNvGrpSpPr/>
+          <p:nvPr/>
+        </p:nvGrpSpPr>
+        <p:grpSpPr>
+          <a:xfrm>
+            <a:off x="280156" y="1846845"/>
+            <a:ext cx="1177097" cy="762083"/>
+            <a:chOff x="280156" y="1846845"/>
+            <a:chExt cx="2657473" cy="1720516"/>
+          </a:xfrm>
+        </p:grpSpPr>
+        <p:pic>
+          <p:nvPicPr>
+            <p:cNvPr id="16" name="Picture 15">
+              <a:extLst>
+                <a:ext uri="{FF2B5EF4-FFF2-40B4-BE49-F238E27FC236}">
+                  <a16:creationId xmlns:a16="http://schemas.microsoft.com/office/drawing/2014/main" id="{9C33FB8A-110D-401F-A19A-BFF0CBFE806E}"/>
+                </a:ext>
+              </a:extLst>
+            </p:cNvPr>
+            <p:cNvPicPr>
+              <a:picLocks noChangeAspect="1"/>
+            </p:cNvPicPr>
+            <p:nvPr/>
+          </p:nvPicPr>
+          <p:blipFill rotWithShape="1">
+            <a:blip r:embed="rId2"/>
+            <a:srcRect l="38672" r="38627"/>
+            <a:stretch/>
+          </p:blipFill>
+          <p:spPr>
+            <a:xfrm>
+              <a:off x="1411351" y="1846845"/>
+              <a:ext cx="390525" cy="1720516"/>
+            </a:xfrm>
+            <a:prstGeom prst="rect">
+              <a:avLst/>
+            </a:prstGeom>
+          </p:spPr>
+        </p:pic>
+        <p:pic>
+          <p:nvPicPr>
+            <p:cNvPr id="19" name="Picture 18">
+              <a:extLst>
+                <a:ext uri="{FF2B5EF4-FFF2-40B4-BE49-F238E27FC236}">
+                  <a16:creationId xmlns:a16="http://schemas.microsoft.com/office/drawing/2014/main" id="{88D1CD4D-F369-4F9D-92B6-E786DCAD0A16}"/>
+                </a:ext>
+              </a:extLst>
+            </p:cNvPr>
+            <p:cNvPicPr>
+              <a:picLocks noChangeAspect="1"/>
+            </p:cNvPicPr>
+            <p:nvPr/>
+          </p:nvPicPr>
+          <p:blipFill rotWithShape="1">
+            <a:blip r:embed="rId2"/>
+            <a:srcRect l="61976" r="26340"/>
+            <a:stretch/>
+          </p:blipFill>
+          <p:spPr>
+            <a:xfrm rot="16618695">
+              <a:off x="1976857" y="1410189"/>
+              <a:ext cx="201028" cy="1720516"/>
+            </a:xfrm>
+            <a:prstGeom prst="rect">
+              <a:avLst/>
+            </a:prstGeom>
+          </p:spPr>
+        </p:pic>
+        <p:pic>
+          <p:nvPicPr>
+            <p:cNvPr id="20" name="Picture 19">
+              <a:extLst>
+                <a:ext uri="{FF2B5EF4-FFF2-40B4-BE49-F238E27FC236}">
+                  <a16:creationId xmlns:a16="http://schemas.microsoft.com/office/drawing/2014/main" id="{FC4E9D9D-F91A-467B-8EFC-2B2E5D22A501}"/>
+                </a:ext>
+              </a:extLst>
+            </p:cNvPr>
+            <p:cNvPicPr>
+              <a:picLocks noChangeAspect="1"/>
+            </p:cNvPicPr>
+            <p:nvPr/>
+          </p:nvPicPr>
+          <p:blipFill rotWithShape="1">
+            <a:blip r:embed="rId2"/>
+            <a:srcRect l="26458" r="61858"/>
+            <a:stretch/>
+          </p:blipFill>
+          <p:spPr>
+            <a:xfrm rot="5102215">
+              <a:off x="1039900" y="1403207"/>
+              <a:ext cx="201028" cy="1720516"/>
+            </a:xfrm>
+            <a:prstGeom prst="rect">
+              <a:avLst/>
+            </a:prstGeom>
+          </p:spPr>
+        </p:pic>
+      </p:grpSp>
+      <p:sp>
+        <p:nvSpPr>
+          <p:cNvPr id="21" name="Arrow: Right 20">
+            <a:extLst>
+              <a:ext uri="{FF2B5EF4-FFF2-40B4-BE49-F238E27FC236}">
+                <a16:creationId xmlns:a16="http://schemas.microsoft.com/office/drawing/2014/main" id="{EAF09C02-6224-40DD-94BC-7BCE6CC01268}"/>
+              </a:ext>
+            </a:extLst>
+          </p:cNvPr>
+          <p:cNvSpPr/>
+          <p:nvPr/>
+        </p:nvSpPr>
+        <p:spPr>
+          <a:xfrm rot="10800000">
+            <a:off x="3657565" y="2047663"/>
+            <a:ext cx="596900" cy="349250"/>
+          </a:xfrm>
+          <a:prstGeom prst="rightArrow">
+            <a:avLst>
+              <a:gd name="adj1" fmla="val 50000"/>
+              <a:gd name="adj2" fmla="val 87500"/>
+            </a:avLst>
+          </a:prstGeom>
+          <a:gradFill flip="none" rotWithShape="1">
+            <a:gsLst>
+              <a:gs pos="0">
+                <a:schemeClr val="accent2">
+                  <a:lumMod val="67000"/>
+                </a:schemeClr>
+              </a:gs>
+              <a:gs pos="48000">
+                <a:schemeClr val="accent2">
+                  <a:lumMod val="97000"/>
+                  <a:lumOff val="3000"/>
+                </a:schemeClr>
+              </a:gs>
+              <a:gs pos="100000">
+                <a:schemeClr val="accent2">
+                  <a:lumMod val="60000"/>
+                  <a:lumOff val="40000"/>
+                </a:schemeClr>
+              </a:gs>
+            </a:gsLst>
+            <a:lin ang="16200000" scaled="1"/>
+            <a:tileRect/>
+          </a:gradFill>
+          <a:ln>
+            <a:noFill/>
+          </a:ln>
+        </p:spPr>
+        <p:style>
+          <a:lnRef idx="0">
+            <a:scrgbClr r="0" g="0" b="0"/>
+          </a:lnRef>
+          <a:fillRef idx="0">
+            <a:scrgbClr r="0" g="0" b="0"/>
+          </a:fillRef>
+          <a:effectRef idx="0">
+            <a:scrgbClr r="0" g="0" b="0"/>
+          </a:effectRef>
+          <a:fontRef idx="minor">
+            <a:schemeClr val="lt1"/>
+          </a:fontRef>
+        </p:style>
+        <p:txBody>
+          <a:bodyPr wrap="square" lIns="0" tIns="0" rIns="0" bIns="0" rtlCol="0" anchor="ctr">
+            <a:noAutofit/>
+          </a:bodyPr>
+          <a:lstStyle/>
+          <a:p>
+            <a:pPr algn="ctr"/>
+            <a:endParaRPr lang="de-CH" sz="700">
+              <a:latin typeface="Bahnschrift" panose="020B0502040204020203" pitchFamily="34" charset="0"/>
+            </a:endParaRPr>
+          </a:p>
+        </p:txBody>
+      </p:sp>
+      <p:sp>
+        <p:nvSpPr>
+          <p:cNvPr id="22" name="Arrow: Right 21">
+            <a:extLst>
+              <a:ext uri="{FF2B5EF4-FFF2-40B4-BE49-F238E27FC236}">
+                <a16:creationId xmlns:a16="http://schemas.microsoft.com/office/drawing/2014/main" id="{B2EED307-41EA-4239-8AA3-49EB8C8736BA}"/>
+              </a:ext>
+            </a:extLst>
+          </p:cNvPr>
+          <p:cNvSpPr/>
+          <p:nvPr/>
+        </p:nvSpPr>
+        <p:spPr>
+          <a:xfrm>
+            <a:off x="5964076" y="2047663"/>
+            <a:ext cx="596900" cy="349250"/>
+          </a:xfrm>
+          <a:prstGeom prst="rightArrow">
+            <a:avLst>
+              <a:gd name="adj1" fmla="val 50000"/>
+              <a:gd name="adj2" fmla="val 87500"/>
+            </a:avLst>
+          </a:prstGeom>
+          <a:gradFill flip="none" rotWithShape="1">
+            <a:gsLst>
+              <a:gs pos="0">
+                <a:schemeClr val="accent2">
+                  <a:lumMod val="67000"/>
+                </a:schemeClr>
+              </a:gs>
+              <a:gs pos="48000">
+                <a:schemeClr val="accent2">
+                  <a:lumMod val="97000"/>
+                  <a:lumOff val="3000"/>
+                </a:schemeClr>
+              </a:gs>
+              <a:gs pos="100000">
+                <a:schemeClr val="accent2">
+                  <a:lumMod val="60000"/>
+                  <a:lumOff val="40000"/>
+                </a:schemeClr>
+              </a:gs>
+            </a:gsLst>
+            <a:lin ang="16200000" scaled="1"/>
+            <a:tileRect/>
+          </a:gradFill>
+          <a:ln>
+            <a:noFill/>
+          </a:ln>
+        </p:spPr>
+        <p:style>
+          <a:lnRef idx="0">
+            <a:scrgbClr r="0" g="0" b="0"/>
+          </a:lnRef>
+          <a:fillRef idx="0">
+            <a:scrgbClr r="0" g="0" b="0"/>
+          </a:fillRef>
+          <a:effectRef idx="0">
+            <a:scrgbClr r="0" g="0" b="0"/>
+          </a:effectRef>
+          <a:fontRef idx="minor">
+            <a:schemeClr val="lt1"/>
+          </a:fontRef>
+        </p:style>
+        <p:txBody>
+          <a:bodyPr wrap="square" lIns="0" tIns="0" rIns="0" bIns="0" rtlCol="0" anchor="ctr">
+            <a:noAutofit/>
+          </a:bodyPr>
+          <a:lstStyle/>
+          <a:p>
+            <a:pPr algn="ctr"/>
+            <a:endParaRPr lang="de-CH" sz="700">
+              <a:latin typeface="Bahnschrift" panose="020B0502040204020203" pitchFamily="34" charset="0"/>
+            </a:endParaRPr>
+          </a:p>
+        </p:txBody>
+      </p:sp>
+      <p:sp>
+        <p:nvSpPr>
+          <p:cNvPr id="23" name="Arrow: Right 22">
+            <a:extLst>
+              <a:ext uri="{FF2B5EF4-FFF2-40B4-BE49-F238E27FC236}">
+                <a16:creationId xmlns:a16="http://schemas.microsoft.com/office/drawing/2014/main" id="{43FD78CB-4A69-4B05-9DBE-C70F8BA940A5}"/>
+              </a:ext>
+            </a:extLst>
+          </p:cNvPr>
+          <p:cNvSpPr/>
+          <p:nvPr/>
+        </p:nvSpPr>
+        <p:spPr>
+          <a:xfrm rot="16200000">
+            <a:off x="7839154" y="2047663"/>
+            <a:ext cx="596900" cy="349250"/>
+          </a:xfrm>
+          <a:prstGeom prst="rightArrow">
+            <a:avLst>
+              <a:gd name="adj1" fmla="val 50000"/>
+              <a:gd name="adj2" fmla="val 87500"/>
+            </a:avLst>
+          </a:prstGeom>
+          <a:gradFill flip="none" rotWithShape="1">
+            <a:gsLst>
+              <a:gs pos="0">
+                <a:schemeClr val="accent2">
+                  <a:lumMod val="67000"/>
+                </a:schemeClr>
+              </a:gs>
+              <a:gs pos="48000">
+                <a:schemeClr val="accent2">
+                  <a:lumMod val="97000"/>
+                  <a:lumOff val="3000"/>
+                </a:schemeClr>
+              </a:gs>
+              <a:gs pos="100000">
+                <a:schemeClr val="accent2">
+                  <a:lumMod val="60000"/>
+                  <a:lumOff val="40000"/>
+                </a:schemeClr>
+              </a:gs>
+            </a:gsLst>
+            <a:lin ang="16200000" scaled="1"/>
+            <a:tileRect/>
+          </a:gradFill>
+          <a:ln>
+            <a:noFill/>
+          </a:ln>
+        </p:spPr>
+        <p:style>
+          <a:lnRef idx="0">
+            <a:scrgbClr r="0" g="0" b="0"/>
+          </a:lnRef>
+          <a:fillRef idx="0">
+            <a:scrgbClr r="0" g="0" b="0"/>
+          </a:fillRef>
+          <a:effectRef idx="0">
+            <a:scrgbClr r="0" g="0" b="0"/>
+          </a:effectRef>
+          <a:fontRef idx="minor">
+            <a:schemeClr val="lt1"/>
+          </a:fontRef>
+        </p:style>
+        <p:txBody>
+          <a:bodyPr wrap="square" lIns="0" tIns="0" rIns="0" bIns="0" rtlCol="0" anchor="ctr">
+            <a:noAutofit/>
+          </a:bodyPr>
+          <a:lstStyle/>
+          <a:p>
+            <a:pPr algn="ctr"/>
+            <a:endParaRPr lang="de-CH" sz="700">
+              <a:latin typeface="Bahnschrift" panose="020B0502040204020203" pitchFamily="34" charset="0"/>
+            </a:endParaRPr>
+          </a:p>
+        </p:txBody>
+      </p:sp>
+      <p:sp>
+        <p:nvSpPr>
+          <p:cNvPr id="24" name="Arrow: Right 23">
+            <a:extLst>
+              <a:ext uri="{FF2B5EF4-FFF2-40B4-BE49-F238E27FC236}">
+                <a16:creationId xmlns:a16="http://schemas.microsoft.com/office/drawing/2014/main" id="{FF15029E-54DC-4DB7-82E4-C5F60C938F4A}"/>
+              </a:ext>
+            </a:extLst>
+          </p:cNvPr>
+          <p:cNvSpPr/>
+          <p:nvPr/>
+        </p:nvSpPr>
+        <p:spPr>
+          <a:xfrm rot="5400000">
+            <a:off x="10237710" y="2047663"/>
+            <a:ext cx="596900" cy="349250"/>
+          </a:xfrm>
+          <a:prstGeom prst="rightArrow">
+            <a:avLst>
+              <a:gd name="adj1" fmla="val 50000"/>
+              <a:gd name="adj2" fmla="val 87500"/>
+            </a:avLst>
+          </a:prstGeom>
+          <a:gradFill flip="none" rotWithShape="1">
+            <a:gsLst>
+              <a:gs pos="0">
+                <a:schemeClr val="accent2">
+                  <a:lumMod val="67000"/>
+                </a:schemeClr>
+              </a:gs>
+              <a:gs pos="48000">
+                <a:schemeClr val="accent2">
+                  <a:lumMod val="97000"/>
+                  <a:lumOff val="3000"/>
+                </a:schemeClr>
+              </a:gs>
+              <a:gs pos="100000">
+                <a:schemeClr val="accent2">
+                  <a:lumMod val="60000"/>
+                  <a:lumOff val="40000"/>
+                </a:schemeClr>
+              </a:gs>
+            </a:gsLst>
+            <a:lin ang="16200000" scaled="1"/>
+            <a:tileRect/>
+          </a:gradFill>
+          <a:ln>
+            <a:noFill/>
+          </a:ln>
+        </p:spPr>
+        <p:style>
+          <a:lnRef idx="0">
+            <a:scrgbClr r="0" g="0" b="0"/>
+          </a:lnRef>
+          <a:fillRef idx="0">
+            <a:scrgbClr r="0" g="0" b="0"/>
+          </a:fillRef>
+          <a:effectRef idx="0">
+            <a:scrgbClr r="0" g="0" b="0"/>
+          </a:effectRef>
+          <a:fontRef idx="minor">
+            <a:schemeClr val="lt1"/>
+          </a:fontRef>
+        </p:style>
+        <p:txBody>
+          <a:bodyPr wrap="square" lIns="0" tIns="0" rIns="0" bIns="0" rtlCol="0" anchor="ctr">
+            <a:noAutofit/>
+          </a:bodyPr>
+          <a:lstStyle/>
+          <a:p>
+            <a:pPr algn="ctr"/>
+            <a:endParaRPr lang="de-CH" sz="700">
+              <a:latin typeface="Bahnschrift" panose="020B0502040204020203" pitchFamily="34" charset="0"/>
+            </a:endParaRPr>
+          </a:p>
+        </p:txBody>
+      </p:sp>
+      <p:sp>
+        <p:nvSpPr>
+          <p:cNvPr id="25" name="Octagon 24">
+            <a:extLst>
+              <a:ext uri="{FF2B5EF4-FFF2-40B4-BE49-F238E27FC236}">
+                <a16:creationId xmlns:a16="http://schemas.microsoft.com/office/drawing/2014/main" id="{BCFB97E0-C2D8-4B8F-9AA4-D28765E1D168}"/>
+              </a:ext>
+            </a:extLst>
+          </p:cNvPr>
+          <p:cNvSpPr/>
+          <p:nvPr/>
+        </p:nvSpPr>
+        <p:spPr>
+          <a:xfrm>
+            <a:off x="1229723" y="1947650"/>
+            <a:ext cx="549277" cy="549277"/>
+          </a:xfrm>
+          <a:prstGeom prst="octagon">
+            <a:avLst/>
+          </a:prstGeom>
+          <a:gradFill flip="none" rotWithShape="1">
+            <a:gsLst>
+              <a:gs pos="0">
+                <a:schemeClr val="accent2">
+                  <a:lumMod val="67000"/>
+                </a:schemeClr>
+              </a:gs>
+              <a:gs pos="48000">
+                <a:schemeClr val="accent2">
+                  <a:lumMod val="97000"/>
+                  <a:lumOff val="3000"/>
+                </a:schemeClr>
+              </a:gs>
+              <a:gs pos="100000">
+                <a:schemeClr val="accent2">
+                  <a:lumMod val="60000"/>
+                  <a:lumOff val="40000"/>
+                </a:schemeClr>
+              </a:gs>
+            </a:gsLst>
+            <a:lin ang="16200000" scaled="1"/>
+            <a:tileRect/>
+          </a:gradFill>
+          <a:ln>
+            <a:noFill/>
+          </a:ln>
+        </p:spPr>
+        <p:style>
+          <a:lnRef idx="0">
+            <a:scrgbClr r="0" g="0" b="0"/>
+          </a:lnRef>
+          <a:fillRef idx="0">
+            <a:scrgbClr r="0" g="0" b="0"/>
+          </a:fillRef>
+          <a:effectRef idx="0">
+            <a:scrgbClr r="0" g="0" b="0"/>
+          </a:effectRef>
+          <a:fontRef idx="minor">
+            <a:schemeClr val="lt1"/>
+          </a:fontRef>
+        </p:style>
+        <p:txBody>
+          <a:bodyPr wrap="square" lIns="0" tIns="0" rIns="0" bIns="0" rtlCol="0" anchor="ctr">
+            <a:noAutofit/>
+          </a:bodyPr>
+          <a:lstStyle/>
+          <a:p>
+            <a:pPr algn="ctr"/>
+            <a:r>
+              <a:rPr lang="de-CH" sz="1200" b="1" dirty="0">
+                <a:latin typeface="Bahnschrift" panose="020B0502040204020203" pitchFamily="34" charset="0"/>
+              </a:rPr>
+              <a:t>STOP</a:t>
+            </a:r>
+          </a:p>
+        </p:txBody>
+      </p:sp>
+    </p:spTree>
+    <p:extLst>
+      <p:ext uri="{BB962C8B-B14F-4D97-AF65-F5344CB8AC3E}">
+        <p14:creationId xmlns:p14="http://schemas.microsoft.com/office/powerpoint/2010/main" val="1803163517"/>
+      </p:ext>
+    </p:extLst>
+  </p:cSld>
+  <p:clrMapOvr>
+    <a:masterClrMapping/>
+  </p:clrMapOvr>
+</p:sld>
+</file>
+
+<file path=ppt/slides/slide5.xml><?xml version="1.0" encoding="utf-8"?>
 <p:sld xmlns:a="http://schemas.openxmlformats.org/drawingml/2006/main" xmlns:r="http://schemas.openxmlformats.org/officeDocument/2006/relationships" xmlns:p="http://schemas.openxmlformats.org/presentationml/2006/main">
   <p:cSld>
     <p:spTree>
@@ -20598,17 +21506,6 @@
 </file>
 
 <file path=customXml/item1.xml><?xml version="1.0" encoding="utf-8"?>
-<p:properties xmlns:p="http://schemas.microsoft.com/office/2006/metadata/properties" xmlns:xsi="http://www.w3.org/2001/XMLSchema-instance" xmlns:pc="http://schemas.microsoft.com/office/infopath/2007/PartnerControls">
-  <documentManagement>
-    <Work_x0020_Stream xmlns="6c79e6ef-b650-4ae2-a3e7-0dc2221587ce">IT</Work_x0020_Stream>
-    <Main_x0020_Document xmlns="6c79e6ef-b650-4ae2-a3e7-0dc2221587ce">true</Main_x0020_Document>
-    <PublishingExpirationDate xmlns="http://schemas.microsoft.com/sharepoint/v3" xsi:nil="true"/>
-    <PublishingStartDate xmlns="http://schemas.microsoft.com/sharepoint/v3" xsi:nil="true"/>
-  </documentManagement>
-</p:properties>
-</file>
-
-<file path=customXml/item2.xml><?xml version="1.0" encoding="utf-8"?>
 <ct:contentTypeSchema xmlns:ct="http://schemas.microsoft.com/office/2006/metadata/contentType" xmlns:ma="http://schemas.microsoft.com/office/2006/metadata/properties/metaAttributes" ct:_="" ma:_="" ma:contentTypeName="Document" ma:contentTypeID="0x0101007BD63474F9A1244CB84D2F6294160423" ma:contentTypeVersion="7" ma:contentTypeDescription="Create a new document." ma:contentTypeScope="" ma:versionID="5a1221ddbc0ba3e3858858679abb180a">
   <xsd:schema xmlns:xsd="http://www.w3.org/2001/XMLSchema" xmlns:xs="http://www.w3.org/2001/XMLSchema" xmlns:p="http://schemas.microsoft.com/office/2006/metadata/properties" xmlns:ns1="http://schemas.microsoft.com/sharepoint/v3" xmlns:ns2="6c79e6ef-b650-4ae2-a3e7-0dc2221587ce" targetNamespace="http://schemas.microsoft.com/office/2006/metadata/properties" ma:root="true" ma:fieldsID="3cf6cfb97e8ba97dedafa0947be48ff6" ns1:_="" ns2:_="">
     <xsd:import namespace="http://schemas.microsoft.com/sharepoint/v3"/>
@@ -20787,6 +21684,17 @@
 </ct:contentTypeSchema>
 </file>
 
+<file path=customXml/item2.xml><?xml version="1.0" encoding="utf-8"?>
+<p:properties xmlns:p="http://schemas.microsoft.com/office/2006/metadata/properties" xmlns:xsi="http://www.w3.org/2001/XMLSchema-instance" xmlns:pc="http://schemas.microsoft.com/office/infopath/2007/PartnerControls">
+  <documentManagement>
+    <Work_x0020_Stream xmlns="6c79e6ef-b650-4ae2-a3e7-0dc2221587ce">IT</Work_x0020_Stream>
+    <Main_x0020_Document xmlns="6c79e6ef-b650-4ae2-a3e7-0dc2221587ce">true</Main_x0020_Document>
+    <PublishingExpirationDate xmlns="http://schemas.microsoft.com/sharepoint/v3" xsi:nil="true"/>
+    <PublishingStartDate xmlns="http://schemas.microsoft.com/sharepoint/v3" xsi:nil="true"/>
+  </documentManagement>
+</p:properties>
+</file>
+
 <file path=customXml/item3.xml><?xml version="1.0" encoding="utf-8"?>
 <?mso-contentType ?>
 <FormTemplates xmlns="http://schemas.microsoft.com/sharepoint/v3/contenttype/forms">
@@ -20797,23 +21705,6 @@
 </file>
 
 <file path=customXml/itemProps1.xml><?xml version="1.0" encoding="utf-8"?>
-<ds:datastoreItem xmlns:ds="http://schemas.openxmlformats.org/officeDocument/2006/customXml" ds:itemID="{305A3AD2-4115-41C7-9856-2EE5AE165F38}">
-  <ds:schemaRefs>
-    <ds:schemaRef ds:uri="http://schemas.microsoft.com/sharepoint/v3"/>
-    <ds:schemaRef ds:uri="http://schemas.microsoft.com/office/infopath/2007/PartnerControls"/>
-    <ds:schemaRef ds:uri="http://purl.org/dc/elements/1.1/"/>
-    <ds:schemaRef ds:uri="http://schemas.microsoft.com/office/2006/metadata/properties"/>
-    <ds:schemaRef ds:uri="http://purl.org/dc/terms/"/>
-    <ds:schemaRef ds:uri="http://schemas.microsoft.com/office/2006/documentManagement/types"/>
-    <ds:schemaRef ds:uri="http://purl.org/dc/dcmitype/"/>
-    <ds:schemaRef ds:uri="http://www.w3.org/XML/1998/namespace"/>
-    <ds:schemaRef ds:uri="http://schemas.openxmlformats.org/package/2006/metadata/core-properties"/>
-    <ds:schemaRef ds:uri="6c79e6ef-b650-4ae2-a3e7-0dc2221587ce"/>
-  </ds:schemaRefs>
-</ds:datastoreItem>
-</file>
-
-<file path=customXml/itemProps2.xml><?xml version="1.0" encoding="utf-8"?>
 <ds:datastoreItem xmlns:ds="http://schemas.openxmlformats.org/officeDocument/2006/customXml" ds:itemID="{49702C85-486C-47A6-97E2-EC4DBCFABB1C}">
   <ds:schemaRefs>
     <ds:schemaRef ds:uri="http://schemas.microsoft.com/office/2006/metadata/contentType"/>
@@ -20832,6 +21723,23 @@
 </ds:datastoreItem>
 </file>
 
+<file path=customXml/itemProps2.xml><?xml version="1.0" encoding="utf-8"?>
+<ds:datastoreItem xmlns:ds="http://schemas.openxmlformats.org/officeDocument/2006/customXml" ds:itemID="{305A3AD2-4115-41C7-9856-2EE5AE165F38}">
+  <ds:schemaRefs>
+    <ds:schemaRef ds:uri="http://schemas.microsoft.com/sharepoint/v3"/>
+    <ds:schemaRef ds:uri="http://schemas.microsoft.com/office/infopath/2007/PartnerControls"/>
+    <ds:schemaRef ds:uri="http://purl.org/dc/elements/1.1/"/>
+    <ds:schemaRef ds:uri="http://schemas.microsoft.com/office/2006/metadata/properties"/>
+    <ds:schemaRef ds:uri="http://purl.org/dc/terms/"/>
+    <ds:schemaRef ds:uri="http://schemas.microsoft.com/office/2006/documentManagement/types"/>
+    <ds:schemaRef ds:uri="http://purl.org/dc/dcmitype/"/>
+    <ds:schemaRef ds:uri="http://www.w3.org/XML/1998/namespace"/>
+    <ds:schemaRef ds:uri="http://schemas.openxmlformats.org/package/2006/metadata/core-properties"/>
+    <ds:schemaRef ds:uri="6c79e6ef-b650-4ae2-a3e7-0dc2221587ce"/>
+  </ds:schemaRefs>
+</ds:datastoreItem>
+</file>
+
 <file path=customXml/itemProps3.xml><?xml version="1.0" encoding="utf-8"?>
 <ds:datastoreItem xmlns:ds="http://schemas.openxmlformats.org/officeDocument/2006/customXml" ds:itemID="{38F74CC0-5B3F-43D6-A413-C310062ABF7D}">
   <ds:schemaRefs>

--- a/flying_drones_with_gestures.pptx
+++ b/flying_drones_with_gestures.pptx
@@ -1113,7 +1113,7 @@
           <a:p>
             <a:fld id="{96B78F0C-DB03-4D08-9059-9979641CEEA3}" type="datetimeFigureOut">
               <a:rPr lang="en-US" smtClean="0"/>
-              <a:t>10/2/2018</a:t>
+              <a:t>10/3/2018</a:t>
             </a:fld>
             <a:endParaRPr lang="en-US"/>
           </a:p>
@@ -9191,7 +9191,7 @@
           <a:p>
             <a:fld id="{C21147C8-3BDC-4528-8DD9-1CA3516CDAE4}" type="datetime4">
               <a:rPr lang="en-US" smtClean="0"/>
-              <a:t>October 2, 2018</a:t>
+              <a:t>October 3, 2018</a:t>
             </a:fld>
             <a:endParaRPr lang="en-US" dirty="0"/>
           </a:p>
@@ -10978,7 +10978,7 @@
           <a:p>
             <a:fld id="{E7720AB0-D943-4E26-B0C0-37EB45539734}" type="datetime4">
               <a:rPr lang="en-US" smtClean="0"/>
-              <a:t>October 2, 2018</a:t>
+              <a:t>October 3, 2018</a:t>
             </a:fld>
             <a:endParaRPr lang="en-US"/>
           </a:p>
@@ -13795,36 +13795,6 @@
           </a:p>
         </p:txBody>
       </p:sp>
-      <p:pic>
-        <p:nvPicPr>
-          <p:cNvPr id="105" name="Picture 104" descr="A close up of a logo&#10;&#10;Description generated with very high confidence">
-            <a:extLst>
-              <a:ext uri="{FF2B5EF4-FFF2-40B4-BE49-F238E27FC236}">
-                <a16:creationId xmlns:a16="http://schemas.microsoft.com/office/drawing/2014/main" id="{B4ABDF83-AB9E-4D01-AEA8-1F46ACCBC688}"/>
-              </a:ext>
-            </a:extLst>
-          </p:cNvPr>
-          <p:cNvPicPr>
-            <a:picLocks noChangeAspect="1"/>
-          </p:cNvPicPr>
-          <p:nvPr/>
-        </p:nvPicPr>
-        <p:blipFill>
-          <a:blip r:embed="rId4"/>
-          <a:stretch>
-            <a:fillRect/>
-          </a:stretch>
-        </p:blipFill>
-        <p:spPr>
-          <a:xfrm>
-            <a:off x="3217308" y="2212566"/>
-            <a:ext cx="236178" cy="236178"/>
-          </a:xfrm>
-          <a:prstGeom prst="rect">
-            <a:avLst/>
-          </a:prstGeom>
-        </p:spPr>
-      </p:pic>
       <p:sp>
         <p:nvSpPr>
           <p:cNvPr id="162" name="Flowchart: Process 161">
@@ -14170,7 +14140,7 @@
           <p:nvPr/>
         </p:nvPicPr>
         <p:blipFill>
-          <a:blip r:embed="rId5"/>
+          <a:blip r:embed="rId4"/>
           <a:stretch>
             <a:fillRect/>
           </a:stretch>
@@ -14330,7 +14300,7 @@
           <p:nvPr/>
         </p:nvPicPr>
         <p:blipFill>
-          <a:blip r:embed="rId5"/>
+          <a:blip r:embed="rId4"/>
           <a:stretch>
             <a:fillRect/>
           </a:stretch>
@@ -14360,7 +14330,7 @@
           <p:nvPr/>
         </p:nvPicPr>
         <p:blipFill>
-          <a:blip r:embed="rId5"/>
+          <a:blip r:embed="rId4"/>
           <a:stretch>
             <a:fillRect/>
           </a:stretch>
@@ -14820,7 +14790,7 @@
           <p:nvPr/>
         </p:nvPicPr>
         <p:blipFill>
-          <a:blip r:embed="rId6">
+          <a:blip r:embed="rId5">
             <a:extLst>
               <a:ext uri="{28A0092B-C50C-407E-A947-70E740481C1C}">
                 <a14:useLocalDpi xmlns:a14="http://schemas.microsoft.com/office/drawing/2010/main" val="0"/>
@@ -14994,7 +14964,7 @@
           <p:nvPr/>
         </p:nvPicPr>
         <p:blipFill rotWithShape="1">
-          <a:blip r:embed="rId7">
+          <a:blip r:embed="rId6">
             <a:extLst>
               <a:ext uri="{28A0092B-C50C-407E-A947-70E740481C1C}">
                 <a14:useLocalDpi xmlns:a14="http://schemas.microsoft.com/office/drawing/2010/main" val="0"/>
@@ -15588,7 +15558,7 @@
           <p:nvPr/>
         </p:nvPicPr>
         <p:blipFill rotWithShape="1">
-          <a:blip r:embed="rId8">
+          <a:blip r:embed="rId7">
             <a:extLst>
               <a:ext uri="{28A0092B-C50C-407E-A947-70E740481C1C}">
                 <a14:useLocalDpi xmlns:a14="http://schemas.microsoft.com/office/drawing/2010/main" val="0"/>
@@ -15633,7 +15603,7 @@
           <p:nvPr/>
         </p:nvPicPr>
         <p:blipFill>
-          <a:blip r:embed="rId9">
+          <a:blip r:embed="rId8">
             <a:extLst>
               <a:ext uri="{28A0092B-C50C-407E-A947-70E740481C1C}">
                 <a14:useLocalDpi xmlns:a14="http://schemas.microsoft.com/office/drawing/2010/main" val="0"/>
@@ -15880,7 +15850,7 @@
           <p:nvPr/>
         </p:nvPicPr>
         <p:blipFill rotWithShape="1">
-          <a:blip r:embed="rId8">
+          <a:blip r:embed="rId7">
             <a:extLst>
               <a:ext uri="{28A0092B-C50C-407E-A947-70E740481C1C}">
                 <a14:useLocalDpi xmlns:a14="http://schemas.microsoft.com/office/drawing/2010/main" val="0"/>
@@ -16417,7 +16387,7 @@
           <p:nvPr/>
         </p:nvPicPr>
         <p:blipFill>
-          <a:blip r:embed="rId5"/>
+          <a:blip r:embed="rId4"/>
           <a:stretch>
             <a:fillRect/>
           </a:stretch>
@@ -16702,7 +16672,7 @@
           <p:nvPr/>
         </p:nvPicPr>
         <p:blipFill>
-          <a:blip r:embed="rId10"/>
+          <a:blip r:embed="rId9"/>
           <a:stretch>
             <a:fillRect/>
           </a:stretch>
@@ -16732,7 +16702,7 @@
           <p:nvPr/>
         </p:nvPicPr>
         <p:blipFill>
-          <a:blip r:embed="rId11"/>
+          <a:blip r:embed="rId10"/>
           <a:stretch>
             <a:fillRect/>
           </a:stretch>
@@ -16762,7 +16732,7 @@
           <p:nvPr/>
         </p:nvPicPr>
         <p:blipFill rotWithShape="1">
-          <a:blip r:embed="rId12"/>
+          <a:blip r:embed="rId11"/>
           <a:srcRect l="25065" r="22926"/>
           <a:stretch/>
         </p:blipFill>
@@ -16782,6 +16752,36 @@
             <a:extLst>
               <a:ext uri="{FF2B5EF4-FFF2-40B4-BE49-F238E27FC236}">
                 <a16:creationId xmlns:a16="http://schemas.microsoft.com/office/drawing/2014/main" id="{838905FA-BB5B-427C-B2FC-981E0C85B9A1}"/>
+              </a:ext>
+            </a:extLst>
+          </p:cNvPr>
+          <p:cNvPicPr>
+            <a:picLocks noChangeAspect="1"/>
+          </p:cNvPicPr>
+          <p:nvPr/>
+        </p:nvPicPr>
+        <p:blipFill>
+          <a:blip r:embed="rId12"/>
+          <a:stretch>
+            <a:fillRect/>
+          </a:stretch>
+        </p:blipFill>
+        <p:spPr>
+          <a:xfrm flipH="1">
+            <a:off x="2333639" y="2722377"/>
+            <a:ext cx="836174" cy="836174"/>
+          </a:xfrm>
+          <a:prstGeom prst="rect">
+            <a:avLst/>
+          </a:prstGeom>
+        </p:spPr>
+      </p:pic>
+      <p:pic>
+        <p:nvPicPr>
+          <p:cNvPr id="15" name="Picture 14">
+            <a:extLst>
+              <a:ext uri="{FF2B5EF4-FFF2-40B4-BE49-F238E27FC236}">
+                <a16:creationId xmlns:a16="http://schemas.microsoft.com/office/drawing/2014/main" id="{960363F8-5FCD-4A25-8229-CE0BE08D0722}"/>
               </a:ext>
             </a:extLst>
           </p:cNvPr>
@@ -16792,36 +16792,6 @@
         </p:nvPicPr>
         <p:blipFill>
           <a:blip r:embed="rId13"/>
-          <a:stretch>
-            <a:fillRect/>
-          </a:stretch>
-        </p:blipFill>
-        <p:spPr>
-          <a:xfrm flipH="1">
-            <a:off x="2333639" y="2722377"/>
-            <a:ext cx="836174" cy="836174"/>
-          </a:xfrm>
-          <a:prstGeom prst="rect">
-            <a:avLst/>
-          </a:prstGeom>
-        </p:spPr>
-      </p:pic>
-      <p:pic>
-        <p:nvPicPr>
-          <p:cNvPr id="15" name="Picture 14">
-            <a:extLst>
-              <a:ext uri="{FF2B5EF4-FFF2-40B4-BE49-F238E27FC236}">
-                <a16:creationId xmlns:a16="http://schemas.microsoft.com/office/drawing/2014/main" id="{960363F8-5FCD-4A25-8229-CE0BE08D0722}"/>
-              </a:ext>
-            </a:extLst>
-          </p:cNvPr>
-          <p:cNvPicPr>
-            <a:picLocks noChangeAspect="1"/>
-          </p:cNvPicPr>
-          <p:nvPr/>
-        </p:nvPicPr>
-        <p:blipFill>
-          <a:blip r:embed="rId14"/>
           <a:stretch>
             <a:fillRect/>
           </a:stretch>
@@ -16982,7 +16952,7 @@
           <p:nvPr/>
         </p:nvPicPr>
         <p:blipFill>
-          <a:blip r:embed="rId14"/>
+          <a:blip r:embed="rId13"/>
           <a:stretch>
             <a:fillRect/>
           </a:stretch>
@@ -17076,7 +17046,7 @@
           <p:nvPr/>
         </p:nvPicPr>
         <p:blipFill>
-          <a:blip r:embed="rId15"/>
+          <a:blip r:embed="rId14"/>
           <a:stretch>
             <a:fillRect/>
           </a:stretch>
@@ -17106,7 +17076,7 @@
           <p:nvPr/>
         </p:nvPicPr>
         <p:blipFill>
-          <a:blip r:embed="rId16"/>
+          <a:blip r:embed="rId15"/>
           <a:stretch>
             <a:fillRect/>
           </a:stretch>
@@ -17369,234 +17339,6 @@
           </a:p>
         </p:txBody>
       </p:sp>
-      <p:pic>
-        <p:nvPicPr>
-          <p:cNvPr id="19" name="Picture 18">
-            <a:extLst>
-              <a:ext uri="{FF2B5EF4-FFF2-40B4-BE49-F238E27FC236}">
-                <a16:creationId xmlns:a16="http://schemas.microsoft.com/office/drawing/2014/main" id="{8EFD2E3B-212D-49B7-A7A0-915B754B444C}"/>
-              </a:ext>
-            </a:extLst>
-          </p:cNvPr>
-          <p:cNvPicPr>
-            <a:picLocks noChangeAspect="1"/>
-          </p:cNvPicPr>
-          <p:nvPr/>
-        </p:nvPicPr>
-        <p:blipFill>
-          <a:blip r:embed="rId17">
-            <a:duotone>
-              <a:schemeClr val="accent4">
-                <a:shade val="45000"/>
-                <a:satMod val="135000"/>
-              </a:schemeClr>
-              <a:prstClr val="white"/>
-            </a:duotone>
-          </a:blip>
-          <a:stretch>
-            <a:fillRect/>
-          </a:stretch>
-        </p:blipFill>
-        <p:spPr>
-          <a:xfrm>
-            <a:off x="6724543" y="4493098"/>
-            <a:ext cx="199466" cy="199466"/>
-          </a:xfrm>
-          <a:prstGeom prst="rect">
-            <a:avLst/>
-          </a:prstGeom>
-        </p:spPr>
-      </p:pic>
-      <p:pic>
-        <p:nvPicPr>
-          <p:cNvPr id="21" name="Picture 20">
-            <a:extLst>
-              <a:ext uri="{FF2B5EF4-FFF2-40B4-BE49-F238E27FC236}">
-                <a16:creationId xmlns:a16="http://schemas.microsoft.com/office/drawing/2014/main" id="{CA8CFD80-AAE7-4AC6-859E-9780E8961FB8}"/>
-              </a:ext>
-            </a:extLst>
-          </p:cNvPr>
-          <p:cNvPicPr>
-            <a:picLocks noChangeAspect="1"/>
-          </p:cNvPicPr>
-          <p:nvPr/>
-        </p:nvPicPr>
-        <p:blipFill>
-          <a:blip r:embed="rId18">
-            <a:duotone>
-              <a:schemeClr val="accent4">
-                <a:shade val="45000"/>
-                <a:satMod val="135000"/>
-              </a:schemeClr>
-              <a:prstClr val="white"/>
-            </a:duotone>
-          </a:blip>
-          <a:stretch>
-            <a:fillRect/>
-          </a:stretch>
-        </p:blipFill>
-        <p:spPr>
-          <a:xfrm>
-            <a:off x="6704035" y="4262193"/>
-            <a:ext cx="199466" cy="199466"/>
-          </a:xfrm>
-          <a:prstGeom prst="rect">
-            <a:avLst/>
-          </a:prstGeom>
-        </p:spPr>
-      </p:pic>
-      <p:pic>
-        <p:nvPicPr>
-          <p:cNvPr id="155" name="Picture 154">
-            <a:extLst>
-              <a:ext uri="{FF2B5EF4-FFF2-40B4-BE49-F238E27FC236}">
-                <a16:creationId xmlns:a16="http://schemas.microsoft.com/office/drawing/2014/main" id="{0B1174B8-8147-4EB4-A2EF-1222A4640940}"/>
-              </a:ext>
-            </a:extLst>
-          </p:cNvPr>
-          <p:cNvPicPr>
-            <a:picLocks noChangeAspect="1"/>
-          </p:cNvPicPr>
-          <p:nvPr/>
-        </p:nvPicPr>
-        <p:blipFill>
-          <a:blip r:embed="rId17">
-            <a:duotone>
-              <a:schemeClr val="accent4">
-                <a:shade val="45000"/>
-                <a:satMod val="135000"/>
-              </a:schemeClr>
-              <a:prstClr val="white"/>
-            </a:duotone>
-          </a:blip>
-          <a:stretch>
-            <a:fillRect/>
-          </a:stretch>
-        </p:blipFill>
-        <p:spPr>
-          <a:xfrm rot="10800000">
-            <a:off x="6724543" y="4724003"/>
-            <a:ext cx="199466" cy="199466"/>
-          </a:xfrm>
-          <a:prstGeom prst="rect">
-            <a:avLst/>
-          </a:prstGeom>
-        </p:spPr>
-      </p:pic>
-      <p:pic>
-        <p:nvPicPr>
-          <p:cNvPr id="157" name="Picture 156">
-            <a:extLst>
-              <a:ext uri="{FF2B5EF4-FFF2-40B4-BE49-F238E27FC236}">
-                <a16:creationId xmlns:a16="http://schemas.microsoft.com/office/drawing/2014/main" id="{2B29C13D-540F-40C3-B543-5C683F66DE75}"/>
-              </a:ext>
-            </a:extLst>
-          </p:cNvPr>
-          <p:cNvPicPr>
-            <a:picLocks noChangeAspect="1"/>
-          </p:cNvPicPr>
-          <p:nvPr/>
-        </p:nvPicPr>
-        <p:blipFill>
-          <a:blip r:embed="rId17">
-            <a:duotone>
-              <a:schemeClr val="accent4">
-                <a:shade val="45000"/>
-                <a:satMod val="135000"/>
-              </a:schemeClr>
-              <a:prstClr val="white"/>
-            </a:duotone>
-          </a:blip>
-          <a:stretch>
-            <a:fillRect/>
-          </a:stretch>
-        </p:blipFill>
-        <p:spPr>
-          <a:xfrm rot="5400000">
-            <a:off x="6724543" y="4954908"/>
-            <a:ext cx="199466" cy="199466"/>
-          </a:xfrm>
-          <a:prstGeom prst="rect">
-            <a:avLst/>
-          </a:prstGeom>
-        </p:spPr>
-      </p:pic>
-      <p:pic>
-        <p:nvPicPr>
-          <p:cNvPr id="160" name="Picture 159">
-            <a:extLst>
-              <a:ext uri="{FF2B5EF4-FFF2-40B4-BE49-F238E27FC236}">
-                <a16:creationId xmlns:a16="http://schemas.microsoft.com/office/drawing/2014/main" id="{A1E2C466-147E-4D19-AA3E-C3C2886C67E1}"/>
-              </a:ext>
-            </a:extLst>
-          </p:cNvPr>
-          <p:cNvPicPr>
-            <a:picLocks noChangeAspect="1"/>
-          </p:cNvPicPr>
-          <p:nvPr/>
-        </p:nvPicPr>
-        <p:blipFill>
-          <a:blip r:embed="rId17">
-            <a:duotone>
-              <a:schemeClr val="accent4">
-                <a:shade val="45000"/>
-                <a:satMod val="135000"/>
-              </a:schemeClr>
-              <a:prstClr val="white"/>
-            </a:duotone>
-          </a:blip>
-          <a:stretch>
-            <a:fillRect/>
-          </a:stretch>
-        </p:blipFill>
-        <p:spPr>
-          <a:xfrm rot="16200000">
-            <a:off x="6724543" y="5185813"/>
-            <a:ext cx="199466" cy="199466"/>
-          </a:xfrm>
-          <a:prstGeom prst="rect">
-            <a:avLst/>
-          </a:prstGeom>
-        </p:spPr>
-      </p:pic>
-      <p:pic>
-        <p:nvPicPr>
-          <p:cNvPr id="168" name="Picture 167">
-            <a:extLst>
-              <a:ext uri="{FF2B5EF4-FFF2-40B4-BE49-F238E27FC236}">
-                <a16:creationId xmlns:a16="http://schemas.microsoft.com/office/drawing/2014/main" id="{1AFFE0D4-787F-44AA-A20F-D47B32DB3204}"/>
-              </a:ext>
-            </a:extLst>
-          </p:cNvPr>
-          <p:cNvPicPr>
-            <a:picLocks noChangeAspect="1"/>
-          </p:cNvPicPr>
-          <p:nvPr/>
-        </p:nvPicPr>
-        <p:blipFill>
-          <a:blip r:embed="rId17">
-            <a:duotone>
-              <a:schemeClr val="accent4">
-                <a:shade val="45000"/>
-                <a:satMod val="135000"/>
-              </a:schemeClr>
-              <a:prstClr val="white"/>
-            </a:duotone>
-          </a:blip>
-          <a:stretch>
-            <a:fillRect/>
-          </a:stretch>
-        </p:blipFill>
-        <p:spPr>
-          <a:xfrm rot="5400000">
-            <a:off x="6724543" y="5416718"/>
-            <a:ext cx="199466" cy="199466"/>
-          </a:xfrm>
-          <a:prstGeom prst="rect">
-            <a:avLst/>
-          </a:prstGeom>
-        </p:spPr>
-      </p:pic>
       <p:cxnSp>
         <p:nvCxnSpPr>
           <p:cNvPr id="172" name="Straight Arrow Connector 171">
@@ -17955,7 +17697,7 @@
           <p:nvPr/>
         </p:nvPicPr>
         <p:blipFill>
-          <a:blip r:embed="rId14"/>
+          <a:blip r:embed="rId13"/>
           <a:stretch>
             <a:fillRect/>
           </a:stretch>
@@ -18031,7 +17773,7 @@
           <p:nvPr/>
         </p:nvPicPr>
         <p:blipFill>
-          <a:blip r:embed="rId17">
+          <a:blip r:embed="rId16">
             <a:duotone>
               <a:schemeClr val="accent4">
                 <a:shade val="45000"/>
@@ -18069,7 +17811,7 @@
           <p:nvPr/>
         </p:nvPicPr>
         <p:blipFill>
-          <a:blip r:embed="rId17">
+          <a:blip r:embed="rId16">
             <a:duotone>
               <a:schemeClr val="accent4">
                 <a:shade val="45000"/>
@@ -18086,6 +17828,447 @@
           <a:xfrm>
             <a:off x="10402880" y="2914666"/>
             <a:ext cx="373259" cy="373259"/>
+          </a:xfrm>
+          <a:prstGeom prst="rect">
+            <a:avLst/>
+          </a:prstGeom>
+        </p:spPr>
+      </p:pic>
+      <p:pic>
+        <p:nvPicPr>
+          <p:cNvPr id="8" name="Picture 7">
+            <a:extLst>
+              <a:ext uri="{FF2B5EF4-FFF2-40B4-BE49-F238E27FC236}">
+                <a16:creationId xmlns:a16="http://schemas.microsoft.com/office/drawing/2014/main" id="{C5501781-D08F-4EA2-BFF4-43F466B673F2}"/>
+              </a:ext>
+            </a:extLst>
+          </p:cNvPr>
+          <p:cNvPicPr>
+            <a:picLocks noChangeAspect="1"/>
+          </p:cNvPicPr>
+          <p:nvPr/>
+        </p:nvPicPr>
+        <p:blipFill rotWithShape="1">
+          <a:blip r:embed="rId17"/>
+          <a:srcRect l="24971" r="25429"/>
+          <a:stretch/>
+        </p:blipFill>
+        <p:spPr>
+          <a:xfrm>
+            <a:off x="3213481" y="2226331"/>
+            <a:ext cx="236178" cy="268240"/>
+          </a:xfrm>
+          <a:prstGeom prst="rect">
+            <a:avLst/>
+          </a:prstGeom>
+        </p:spPr>
+      </p:pic>
+      <p:sp>
+        <p:nvSpPr>
+          <p:cNvPr id="113" name="Arrow: Right 112">
+            <a:extLst>
+              <a:ext uri="{FF2B5EF4-FFF2-40B4-BE49-F238E27FC236}">
+                <a16:creationId xmlns:a16="http://schemas.microsoft.com/office/drawing/2014/main" id="{91C57824-43A0-4C04-AAA1-D665DAFC1E37}"/>
+              </a:ext>
+            </a:extLst>
+          </p:cNvPr>
+          <p:cNvSpPr/>
+          <p:nvPr/>
+        </p:nvSpPr>
+        <p:spPr>
+          <a:xfrm rot="10800000">
+            <a:off x="6730915" y="5175481"/>
+            <a:ext cx="252242" cy="147589"/>
+          </a:xfrm>
+          <a:prstGeom prst="rightArrow">
+            <a:avLst>
+              <a:gd name="adj1" fmla="val 50000"/>
+              <a:gd name="adj2" fmla="val 87500"/>
+            </a:avLst>
+          </a:prstGeom>
+          <a:gradFill flip="none" rotWithShape="1">
+            <a:gsLst>
+              <a:gs pos="0">
+                <a:schemeClr val="accent2">
+                  <a:lumMod val="67000"/>
+                </a:schemeClr>
+              </a:gs>
+              <a:gs pos="48000">
+                <a:schemeClr val="accent2">
+                  <a:lumMod val="97000"/>
+                  <a:lumOff val="3000"/>
+                </a:schemeClr>
+              </a:gs>
+              <a:gs pos="100000">
+                <a:schemeClr val="accent2">
+                  <a:lumMod val="60000"/>
+                  <a:lumOff val="40000"/>
+                </a:schemeClr>
+              </a:gs>
+            </a:gsLst>
+            <a:lin ang="16200000" scaled="1"/>
+            <a:tileRect/>
+          </a:gradFill>
+          <a:ln>
+            <a:noFill/>
+          </a:ln>
+        </p:spPr>
+        <p:style>
+          <a:lnRef idx="0">
+            <a:scrgbClr r="0" g="0" b="0"/>
+          </a:lnRef>
+          <a:fillRef idx="0">
+            <a:scrgbClr r="0" g="0" b="0"/>
+          </a:fillRef>
+          <a:effectRef idx="0">
+            <a:scrgbClr r="0" g="0" b="0"/>
+          </a:effectRef>
+          <a:fontRef idx="minor">
+            <a:schemeClr val="lt1"/>
+          </a:fontRef>
+        </p:style>
+        <p:txBody>
+          <a:bodyPr wrap="square" lIns="0" tIns="0" rIns="0" bIns="0" rtlCol="0" anchor="ctr">
+            <a:noAutofit/>
+          </a:bodyPr>
+          <a:lstStyle/>
+          <a:p>
+            <a:pPr algn="ctr"/>
+            <a:endParaRPr lang="de-CH" sz="700">
+              <a:latin typeface="Bahnschrift" panose="020B0502040204020203" pitchFamily="34" charset="0"/>
+            </a:endParaRPr>
+          </a:p>
+        </p:txBody>
+      </p:sp>
+      <p:sp>
+        <p:nvSpPr>
+          <p:cNvPr id="116" name="Arrow: Right 115">
+            <a:extLst>
+              <a:ext uri="{FF2B5EF4-FFF2-40B4-BE49-F238E27FC236}">
+                <a16:creationId xmlns:a16="http://schemas.microsoft.com/office/drawing/2014/main" id="{271D6BEA-11CB-4A26-BDFB-D09B91070983}"/>
+              </a:ext>
+            </a:extLst>
+          </p:cNvPr>
+          <p:cNvSpPr/>
+          <p:nvPr/>
+        </p:nvSpPr>
+        <p:spPr>
+          <a:xfrm>
+            <a:off x="6730914" y="5389780"/>
+            <a:ext cx="252242" cy="147589"/>
+          </a:xfrm>
+          <a:prstGeom prst="rightArrow">
+            <a:avLst>
+              <a:gd name="adj1" fmla="val 50000"/>
+              <a:gd name="adj2" fmla="val 87500"/>
+            </a:avLst>
+          </a:prstGeom>
+          <a:gradFill flip="none" rotWithShape="1">
+            <a:gsLst>
+              <a:gs pos="0">
+                <a:schemeClr val="accent2">
+                  <a:lumMod val="67000"/>
+                </a:schemeClr>
+              </a:gs>
+              <a:gs pos="48000">
+                <a:schemeClr val="accent2">
+                  <a:lumMod val="97000"/>
+                  <a:lumOff val="3000"/>
+                </a:schemeClr>
+              </a:gs>
+              <a:gs pos="100000">
+                <a:schemeClr val="accent2">
+                  <a:lumMod val="60000"/>
+                  <a:lumOff val="40000"/>
+                </a:schemeClr>
+              </a:gs>
+            </a:gsLst>
+            <a:lin ang="16200000" scaled="1"/>
+            <a:tileRect/>
+          </a:gradFill>
+          <a:ln>
+            <a:noFill/>
+          </a:ln>
+        </p:spPr>
+        <p:style>
+          <a:lnRef idx="0">
+            <a:scrgbClr r="0" g="0" b="0"/>
+          </a:lnRef>
+          <a:fillRef idx="0">
+            <a:scrgbClr r="0" g="0" b="0"/>
+          </a:fillRef>
+          <a:effectRef idx="0">
+            <a:scrgbClr r="0" g="0" b="0"/>
+          </a:effectRef>
+          <a:fontRef idx="minor">
+            <a:schemeClr val="lt1"/>
+          </a:fontRef>
+        </p:style>
+        <p:txBody>
+          <a:bodyPr wrap="square" lIns="0" tIns="0" rIns="0" bIns="0" rtlCol="0" anchor="ctr">
+            <a:noAutofit/>
+          </a:bodyPr>
+          <a:lstStyle/>
+          <a:p>
+            <a:pPr algn="ctr"/>
+            <a:endParaRPr lang="de-CH" sz="700">
+              <a:latin typeface="Bahnschrift" panose="020B0502040204020203" pitchFamily="34" charset="0"/>
+            </a:endParaRPr>
+          </a:p>
+        </p:txBody>
+      </p:sp>
+      <p:sp>
+        <p:nvSpPr>
+          <p:cNvPr id="117" name="Arrow: Right 116">
+            <a:extLst>
+              <a:ext uri="{FF2B5EF4-FFF2-40B4-BE49-F238E27FC236}">
+                <a16:creationId xmlns:a16="http://schemas.microsoft.com/office/drawing/2014/main" id="{284E90FD-DC79-419E-AAEE-EDC177F7FDC5}"/>
+              </a:ext>
+            </a:extLst>
+          </p:cNvPr>
+          <p:cNvSpPr/>
+          <p:nvPr/>
+        </p:nvSpPr>
+        <p:spPr>
+          <a:xfrm rot="16200000">
+            <a:off x="6730914" y="4580706"/>
+            <a:ext cx="252242" cy="147589"/>
+          </a:xfrm>
+          <a:prstGeom prst="rightArrow">
+            <a:avLst>
+              <a:gd name="adj1" fmla="val 50000"/>
+              <a:gd name="adj2" fmla="val 87500"/>
+            </a:avLst>
+          </a:prstGeom>
+          <a:gradFill flip="none" rotWithShape="1">
+            <a:gsLst>
+              <a:gs pos="0">
+                <a:schemeClr val="accent2">
+                  <a:lumMod val="67000"/>
+                </a:schemeClr>
+              </a:gs>
+              <a:gs pos="48000">
+                <a:schemeClr val="accent2">
+                  <a:lumMod val="97000"/>
+                  <a:lumOff val="3000"/>
+                </a:schemeClr>
+              </a:gs>
+              <a:gs pos="100000">
+                <a:schemeClr val="accent2">
+                  <a:lumMod val="60000"/>
+                  <a:lumOff val="40000"/>
+                </a:schemeClr>
+              </a:gs>
+            </a:gsLst>
+            <a:lin ang="16200000" scaled="1"/>
+            <a:tileRect/>
+          </a:gradFill>
+          <a:ln>
+            <a:noFill/>
+          </a:ln>
+        </p:spPr>
+        <p:style>
+          <a:lnRef idx="0">
+            <a:scrgbClr r="0" g="0" b="0"/>
+          </a:lnRef>
+          <a:fillRef idx="0">
+            <a:scrgbClr r="0" g="0" b="0"/>
+          </a:fillRef>
+          <a:effectRef idx="0">
+            <a:scrgbClr r="0" g="0" b="0"/>
+          </a:effectRef>
+          <a:fontRef idx="minor">
+            <a:schemeClr val="lt1"/>
+          </a:fontRef>
+        </p:style>
+        <p:txBody>
+          <a:bodyPr wrap="square" lIns="0" tIns="0" rIns="0" bIns="0" rtlCol="0" anchor="ctr">
+            <a:noAutofit/>
+          </a:bodyPr>
+          <a:lstStyle/>
+          <a:p>
+            <a:pPr algn="ctr"/>
+            <a:endParaRPr lang="de-CH" sz="700">
+              <a:latin typeface="Bahnschrift" panose="020B0502040204020203" pitchFamily="34" charset="0"/>
+            </a:endParaRPr>
+          </a:p>
+        </p:txBody>
+      </p:sp>
+      <p:sp>
+        <p:nvSpPr>
+          <p:cNvPr id="121" name="Arrow: Right 120">
+            <a:extLst>
+              <a:ext uri="{FF2B5EF4-FFF2-40B4-BE49-F238E27FC236}">
+                <a16:creationId xmlns:a16="http://schemas.microsoft.com/office/drawing/2014/main" id="{8F001E35-1057-4104-82EC-A6E67E6CB850}"/>
+              </a:ext>
+            </a:extLst>
+          </p:cNvPr>
+          <p:cNvSpPr/>
+          <p:nvPr/>
+        </p:nvSpPr>
+        <p:spPr>
+          <a:xfrm rot="5400000">
+            <a:off x="6730914" y="4897640"/>
+            <a:ext cx="252242" cy="147589"/>
+          </a:xfrm>
+          <a:prstGeom prst="rightArrow">
+            <a:avLst>
+              <a:gd name="adj1" fmla="val 50000"/>
+              <a:gd name="adj2" fmla="val 87500"/>
+            </a:avLst>
+          </a:prstGeom>
+          <a:gradFill flip="none" rotWithShape="1">
+            <a:gsLst>
+              <a:gs pos="0">
+                <a:schemeClr val="accent2">
+                  <a:lumMod val="67000"/>
+                </a:schemeClr>
+              </a:gs>
+              <a:gs pos="48000">
+                <a:schemeClr val="accent2">
+                  <a:lumMod val="97000"/>
+                  <a:lumOff val="3000"/>
+                </a:schemeClr>
+              </a:gs>
+              <a:gs pos="100000">
+                <a:schemeClr val="accent2">
+                  <a:lumMod val="60000"/>
+                  <a:lumOff val="40000"/>
+                </a:schemeClr>
+              </a:gs>
+            </a:gsLst>
+            <a:lin ang="16200000" scaled="1"/>
+            <a:tileRect/>
+          </a:gradFill>
+          <a:ln>
+            <a:noFill/>
+          </a:ln>
+        </p:spPr>
+        <p:style>
+          <a:lnRef idx="0">
+            <a:scrgbClr r="0" g="0" b="0"/>
+          </a:lnRef>
+          <a:fillRef idx="0">
+            <a:scrgbClr r="0" g="0" b="0"/>
+          </a:fillRef>
+          <a:effectRef idx="0">
+            <a:scrgbClr r="0" g="0" b="0"/>
+          </a:effectRef>
+          <a:fontRef idx="minor">
+            <a:schemeClr val="lt1"/>
+          </a:fontRef>
+        </p:style>
+        <p:txBody>
+          <a:bodyPr wrap="square" lIns="0" tIns="0" rIns="0" bIns="0" rtlCol="0" anchor="ctr">
+            <a:noAutofit/>
+          </a:bodyPr>
+          <a:lstStyle/>
+          <a:p>
+            <a:pPr algn="ctr"/>
+            <a:endParaRPr lang="de-CH" sz="700">
+              <a:latin typeface="Bahnschrift" panose="020B0502040204020203" pitchFamily="34" charset="0"/>
+            </a:endParaRPr>
+          </a:p>
+        </p:txBody>
+      </p:sp>
+      <p:sp>
+        <p:nvSpPr>
+          <p:cNvPr id="131" name="Octagon 130">
+            <a:extLst>
+              <a:ext uri="{FF2B5EF4-FFF2-40B4-BE49-F238E27FC236}">
+                <a16:creationId xmlns:a16="http://schemas.microsoft.com/office/drawing/2014/main" id="{36989FFB-2E2C-4669-B214-2C48222949BA}"/>
+              </a:ext>
+            </a:extLst>
+          </p:cNvPr>
+          <p:cNvSpPr/>
+          <p:nvPr/>
+        </p:nvSpPr>
+        <p:spPr>
+          <a:xfrm>
+            <a:off x="6740977" y="4265424"/>
+            <a:ext cx="232117" cy="232118"/>
+          </a:xfrm>
+          <a:prstGeom prst="octagon">
+            <a:avLst/>
+          </a:prstGeom>
+          <a:gradFill flip="none" rotWithShape="1">
+            <a:gsLst>
+              <a:gs pos="0">
+                <a:schemeClr val="accent2">
+                  <a:lumMod val="67000"/>
+                </a:schemeClr>
+              </a:gs>
+              <a:gs pos="48000">
+                <a:schemeClr val="accent2">
+                  <a:lumMod val="97000"/>
+                  <a:lumOff val="3000"/>
+                </a:schemeClr>
+              </a:gs>
+              <a:gs pos="100000">
+                <a:schemeClr val="accent2">
+                  <a:lumMod val="60000"/>
+                  <a:lumOff val="40000"/>
+                </a:schemeClr>
+              </a:gs>
+            </a:gsLst>
+            <a:lin ang="16200000" scaled="1"/>
+            <a:tileRect/>
+          </a:gradFill>
+          <a:ln>
+            <a:noFill/>
+          </a:ln>
+        </p:spPr>
+        <p:style>
+          <a:lnRef idx="0">
+            <a:scrgbClr r="0" g="0" b="0"/>
+          </a:lnRef>
+          <a:fillRef idx="0">
+            <a:scrgbClr r="0" g="0" b="0"/>
+          </a:fillRef>
+          <a:effectRef idx="0">
+            <a:scrgbClr r="0" g="0" b="0"/>
+          </a:effectRef>
+          <a:fontRef idx="minor">
+            <a:schemeClr val="lt1"/>
+          </a:fontRef>
+        </p:style>
+        <p:txBody>
+          <a:bodyPr wrap="square" lIns="0" tIns="0" rIns="0" bIns="0" rtlCol="0" anchor="ctr">
+            <a:noAutofit/>
+          </a:bodyPr>
+          <a:lstStyle/>
+          <a:p>
+            <a:pPr algn="ctr"/>
+            <a:endParaRPr lang="de-CH" sz="1200" b="1" dirty="0">
+              <a:latin typeface="Bahnschrift" panose="020B0502040204020203" pitchFamily="34" charset="0"/>
+            </a:endParaRPr>
+          </a:p>
+        </p:txBody>
+      </p:sp>
+      <p:pic>
+        <p:nvPicPr>
+          <p:cNvPr id="105" name="Picture 104" descr="A close up of a logo&#10;&#10;Description generated with very high confidence">
+            <a:extLst>
+              <a:ext uri="{FF2B5EF4-FFF2-40B4-BE49-F238E27FC236}">
+                <a16:creationId xmlns:a16="http://schemas.microsoft.com/office/drawing/2014/main" id="{B4ABDF83-AB9E-4D01-AEA8-1F46ACCBC688}"/>
+              </a:ext>
+            </a:extLst>
+          </p:cNvPr>
+          <p:cNvPicPr>
+            <a:picLocks noChangeAspect="1"/>
+          </p:cNvPicPr>
+          <p:nvPr/>
+        </p:nvPicPr>
+        <p:blipFill>
+          <a:blip r:embed="rId18"/>
+          <a:stretch>
+            <a:fillRect/>
+          </a:stretch>
+        </p:blipFill>
+        <p:spPr>
+          <a:xfrm>
+            <a:off x="5454976" y="3036431"/>
+            <a:ext cx="290641" cy="290641"/>
           </a:xfrm>
           <a:prstGeom prst="rect">
             <a:avLst/>
@@ -19520,8 +19703,8 @@
         </p:nvSpPr>
         <p:spPr>
           <a:xfrm>
-            <a:off x="7524084" y="4617697"/>
-            <a:ext cx="818110" cy="180000"/>
+            <a:off x="7524084" y="4569198"/>
+            <a:ext cx="818110" cy="276999"/>
           </a:xfrm>
           <a:prstGeom prst="rect">
             <a:avLst/>
@@ -19536,10 +19719,16 @@
           <a:p>
             <a:pPr algn="ctr"/>
             <a:r>
+              <a:rPr lang="en-GB" sz="1200">
+                <a:latin typeface="Bahnschrift Light" panose="020B0502040204020203" pitchFamily="34" charset="0"/>
+              </a:rPr>
+              <a:t>up </a:t>
+            </a:r>
+            <a:r>
               <a:rPr lang="en-GB" sz="1200" dirty="0">
                 <a:latin typeface="Bahnschrift Light" panose="020B0502040204020203" pitchFamily="34" charset="0"/>
               </a:rPr>
-              <a:t>right | 3</a:t>
+              <a:t>| 3</a:t>
             </a:r>
           </a:p>
         </p:txBody>
@@ -21506,6 +21695,17 @@
 </file>
 
 <file path=customXml/item1.xml><?xml version="1.0" encoding="utf-8"?>
+<p:properties xmlns:p="http://schemas.microsoft.com/office/2006/metadata/properties" xmlns:xsi="http://www.w3.org/2001/XMLSchema-instance" xmlns:pc="http://schemas.microsoft.com/office/infopath/2007/PartnerControls">
+  <documentManagement>
+    <Work_x0020_Stream xmlns="6c79e6ef-b650-4ae2-a3e7-0dc2221587ce">IT</Work_x0020_Stream>
+    <Main_x0020_Document xmlns="6c79e6ef-b650-4ae2-a3e7-0dc2221587ce">true</Main_x0020_Document>
+    <PublishingExpirationDate xmlns="http://schemas.microsoft.com/sharepoint/v3" xsi:nil="true"/>
+    <PublishingStartDate xmlns="http://schemas.microsoft.com/sharepoint/v3" xsi:nil="true"/>
+  </documentManagement>
+</p:properties>
+</file>
+
+<file path=customXml/item2.xml><?xml version="1.0" encoding="utf-8"?>
 <ct:contentTypeSchema xmlns:ct="http://schemas.microsoft.com/office/2006/metadata/contentType" xmlns:ma="http://schemas.microsoft.com/office/2006/metadata/properties/metaAttributes" ct:_="" ma:_="" ma:contentTypeName="Document" ma:contentTypeID="0x0101007BD63474F9A1244CB84D2F6294160423" ma:contentTypeVersion="7" ma:contentTypeDescription="Create a new document." ma:contentTypeScope="" ma:versionID="5a1221ddbc0ba3e3858858679abb180a">
   <xsd:schema xmlns:xsd="http://www.w3.org/2001/XMLSchema" xmlns:xs="http://www.w3.org/2001/XMLSchema" xmlns:p="http://schemas.microsoft.com/office/2006/metadata/properties" xmlns:ns1="http://schemas.microsoft.com/sharepoint/v3" xmlns:ns2="6c79e6ef-b650-4ae2-a3e7-0dc2221587ce" targetNamespace="http://schemas.microsoft.com/office/2006/metadata/properties" ma:root="true" ma:fieldsID="3cf6cfb97e8ba97dedafa0947be48ff6" ns1:_="" ns2:_="">
     <xsd:import namespace="http://schemas.microsoft.com/sharepoint/v3"/>
@@ -21684,17 +21884,6 @@
 </ct:contentTypeSchema>
 </file>
 
-<file path=customXml/item2.xml><?xml version="1.0" encoding="utf-8"?>
-<p:properties xmlns:p="http://schemas.microsoft.com/office/2006/metadata/properties" xmlns:xsi="http://www.w3.org/2001/XMLSchema-instance" xmlns:pc="http://schemas.microsoft.com/office/infopath/2007/PartnerControls">
-  <documentManagement>
-    <Work_x0020_Stream xmlns="6c79e6ef-b650-4ae2-a3e7-0dc2221587ce">IT</Work_x0020_Stream>
-    <Main_x0020_Document xmlns="6c79e6ef-b650-4ae2-a3e7-0dc2221587ce">true</Main_x0020_Document>
-    <PublishingExpirationDate xmlns="http://schemas.microsoft.com/sharepoint/v3" xsi:nil="true"/>
-    <PublishingStartDate xmlns="http://schemas.microsoft.com/sharepoint/v3" xsi:nil="true"/>
-  </documentManagement>
-</p:properties>
-</file>
-
 <file path=customXml/item3.xml><?xml version="1.0" encoding="utf-8"?>
 <?mso-contentType ?>
 <FormTemplates xmlns="http://schemas.microsoft.com/sharepoint/v3/contenttype/forms">
@@ -21705,6 +21894,23 @@
 </file>
 
 <file path=customXml/itemProps1.xml><?xml version="1.0" encoding="utf-8"?>
+<ds:datastoreItem xmlns:ds="http://schemas.openxmlformats.org/officeDocument/2006/customXml" ds:itemID="{305A3AD2-4115-41C7-9856-2EE5AE165F38}">
+  <ds:schemaRefs>
+    <ds:schemaRef ds:uri="http://schemas.microsoft.com/sharepoint/v3"/>
+    <ds:schemaRef ds:uri="http://purl.org/dc/terms/"/>
+    <ds:schemaRef ds:uri="http://schemas.openxmlformats.org/package/2006/metadata/core-properties"/>
+    <ds:schemaRef ds:uri="http://purl.org/dc/dcmitype/"/>
+    <ds:schemaRef ds:uri="http://schemas.microsoft.com/office/2006/documentManagement/types"/>
+    <ds:schemaRef ds:uri="http://schemas.microsoft.com/office/infopath/2007/PartnerControls"/>
+    <ds:schemaRef ds:uri="6c79e6ef-b650-4ae2-a3e7-0dc2221587ce"/>
+    <ds:schemaRef ds:uri="http://purl.org/dc/elements/1.1/"/>
+    <ds:schemaRef ds:uri="http://schemas.microsoft.com/office/2006/metadata/properties"/>
+    <ds:schemaRef ds:uri="http://www.w3.org/XML/1998/namespace"/>
+  </ds:schemaRefs>
+</ds:datastoreItem>
+</file>
+
+<file path=customXml/itemProps2.xml><?xml version="1.0" encoding="utf-8"?>
 <ds:datastoreItem xmlns:ds="http://schemas.openxmlformats.org/officeDocument/2006/customXml" ds:itemID="{49702C85-486C-47A6-97E2-EC4DBCFABB1C}">
   <ds:schemaRefs>
     <ds:schemaRef ds:uri="http://schemas.microsoft.com/office/2006/metadata/contentType"/>
@@ -21723,23 +21929,6 @@
 </ds:datastoreItem>
 </file>
 
-<file path=customXml/itemProps2.xml><?xml version="1.0" encoding="utf-8"?>
-<ds:datastoreItem xmlns:ds="http://schemas.openxmlformats.org/officeDocument/2006/customXml" ds:itemID="{305A3AD2-4115-41C7-9856-2EE5AE165F38}">
-  <ds:schemaRefs>
-    <ds:schemaRef ds:uri="http://schemas.microsoft.com/sharepoint/v3"/>
-    <ds:schemaRef ds:uri="http://schemas.microsoft.com/office/infopath/2007/PartnerControls"/>
-    <ds:schemaRef ds:uri="http://purl.org/dc/elements/1.1/"/>
-    <ds:schemaRef ds:uri="http://schemas.microsoft.com/office/2006/metadata/properties"/>
-    <ds:schemaRef ds:uri="http://purl.org/dc/terms/"/>
-    <ds:schemaRef ds:uri="http://schemas.microsoft.com/office/2006/documentManagement/types"/>
-    <ds:schemaRef ds:uri="http://purl.org/dc/dcmitype/"/>
-    <ds:schemaRef ds:uri="http://www.w3.org/XML/1998/namespace"/>
-    <ds:schemaRef ds:uri="http://schemas.openxmlformats.org/package/2006/metadata/core-properties"/>
-    <ds:schemaRef ds:uri="6c79e6ef-b650-4ae2-a3e7-0dc2221587ce"/>
-  </ds:schemaRefs>
-</ds:datastoreItem>
-</file>
-
 <file path=customXml/itemProps3.xml><?xml version="1.0" encoding="utf-8"?>
 <ds:datastoreItem xmlns:ds="http://schemas.openxmlformats.org/officeDocument/2006/customXml" ds:itemID="{38F74CC0-5B3F-43D6-A413-C310062ABF7D}">
   <ds:schemaRefs>

--- a/flying_drones_with_gestures.pptx
+++ b/flying_drones_with_gestures.pptx
@@ -16808,7 +16808,7 @@
                 </a:solidFill>
                 <a:latin typeface="Helvetica Light"/>
               </a:rPr>
-              <a:t>PoseDetection</a:t>
+              <a:t>Gesture Detection</a:t>
             </a:r>
           </a:p>
         </p:txBody>
@@ -47479,12 +47479,14 @@
 </file>
 
 <file path=customXml/item1.xml><?xml version="1.0" encoding="utf-8"?>
-<?mso-contentType ?>
-<FormTemplates xmlns="http://schemas.microsoft.com/sharepoint/v3/contenttype/forms">
-  <Display>DocumentLibraryForm</Display>
-  <Edit>DocumentLibraryForm</Edit>
-  <New>DocumentLibraryForm</New>
-</FormTemplates>
+<p:properties xmlns:p="http://schemas.microsoft.com/office/2006/metadata/properties" xmlns:xsi="http://www.w3.org/2001/XMLSchema-instance" xmlns:pc="http://schemas.microsoft.com/office/infopath/2007/PartnerControls">
+  <documentManagement>
+    <Work_x0020_Stream xmlns="6c79e6ef-b650-4ae2-a3e7-0dc2221587ce">IT</Work_x0020_Stream>
+    <Main_x0020_Document xmlns="6c79e6ef-b650-4ae2-a3e7-0dc2221587ce">true</Main_x0020_Document>
+    <PublishingExpirationDate xmlns="http://schemas.microsoft.com/sharepoint/v3" xsi:nil="true"/>
+    <PublishingStartDate xmlns="http://schemas.microsoft.com/sharepoint/v3" xsi:nil="true"/>
+  </documentManagement>
+</p:properties>
 </file>
 
 <file path=customXml/item2.xml><?xml version="1.0" encoding="utf-8"?>
@@ -47667,20 +47669,27 @@
 </file>
 
 <file path=customXml/item3.xml><?xml version="1.0" encoding="utf-8"?>
-<p:properties xmlns:p="http://schemas.microsoft.com/office/2006/metadata/properties" xmlns:xsi="http://www.w3.org/2001/XMLSchema-instance" xmlns:pc="http://schemas.microsoft.com/office/infopath/2007/PartnerControls">
-  <documentManagement>
-    <Work_x0020_Stream xmlns="6c79e6ef-b650-4ae2-a3e7-0dc2221587ce">IT</Work_x0020_Stream>
-    <Main_x0020_Document xmlns="6c79e6ef-b650-4ae2-a3e7-0dc2221587ce">true</Main_x0020_Document>
-    <PublishingExpirationDate xmlns="http://schemas.microsoft.com/sharepoint/v3" xsi:nil="true"/>
-    <PublishingStartDate xmlns="http://schemas.microsoft.com/sharepoint/v3" xsi:nil="true"/>
-  </documentManagement>
-</p:properties>
+<?mso-contentType ?>
+<FormTemplates xmlns="http://schemas.microsoft.com/sharepoint/v3/contenttype/forms">
+  <Display>DocumentLibraryForm</Display>
+  <Edit>DocumentLibraryForm</Edit>
+  <New>DocumentLibraryForm</New>
+</FormTemplates>
 </file>
 
 <file path=customXml/itemProps1.xml><?xml version="1.0" encoding="utf-8"?>
-<ds:datastoreItem xmlns:ds="http://schemas.openxmlformats.org/officeDocument/2006/customXml" ds:itemID="{38F74CC0-5B3F-43D6-A413-C310062ABF7D}">
+<ds:datastoreItem xmlns:ds="http://schemas.openxmlformats.org/officeDocument/2006/customXml" ds:itemID="{305A3AD2-4115-41C7-9856-2EE5AE165F38}">
   <ds:schemaRefs>
-    <ds:schemaRef ds:uri="http://schemas.microsoft.com/sharepoint/v3/contenttype/forms"/>
+    <ds:schemaRef ds:uri="http://schemas.microsoft.com/sharepoint/v3"/>
+    <ds:schemaRef ds:uri="http://purl.org/dc/terms/"/>
+    <ds:schemaRef ds:uri="http://schemas.openxmlformats.org/package/2006/metadata/core-properties"/>
+    <ds:schemaRef ds:uri="http://purl.org/dc/dcmitype/"/>
+    <ds:schemaRef ds:uri="http://schemas.microsoft.com/office/2006/documentManagement/types"/>
+    <ds:schemaRef ds:uri="http://schemas.microsoft.com/office/infopath/2007/PartnerControls"/>
+    <ds:schemaRef ds:uri="6c79e6ef-b650-4ae2-a3e7-0dc2221587ce"/>
+    <ds:schemaRef ds:uri="http://purl.org/dc/elements/1.1/"/>
+    <ds:schemaRef ds:uri="http://schemas.microsoft.com/office/2006/metadata/properties"/>
+    <ds:schemaRef ds:uri="http://www.w3.org/XML/1998/namespace"/>
   </ds:schemaRefs>
 </ds:datastoreItem>
 </file>
@@ -47705,18 +47714,9 @@
 </file>
 
 <file path=customXml/itemProps3.xml><?xml version="1.0" encoding="utf-8"?>
-<ds:datastoreItem xmlns:ds="http://schemas.openxmlformats.org/officeDocument/2006/customXml" ds:itemID="{305A3AD2-4115-41C7-9856-2EE5AE165F38}">
+<ds:datastoreItem xmlns:ds="http://schemas.openxmlformats.org/officeDocument/2006/customXml" ds:itemID="{38F74CC0-5B3F-43D6-A413-C310062ABF7D}">
   <ds:schemaRefs>
-    <ds:schemaRef ds:uri="http://schemas.microsoft.com/sharepoint/v3"/>
-    <ds:schemaRef ds:uri="http://purl.org/dc/terms/"/>
-    <ds:schemaRef ds:uri="http://schemas.openxmlformats.org/package/2006/metadata/core-properties"/>
-    <ds:schemaRef ds:uri="http://purl.org/dc/dcmitype/"/>
-    <ds:schemaRef ds:uri="http://schemas.microsoft.com/office/2006/documentManagement/types"/>
-    <ds:schemaRef ds:uri="http://schemas.microsoft.com/office/infopath/2007/PartnerControls"/>
-    <ds:schemaRef ds:uri="6c79e6ef-b650-4ae2-a3e7-0dc2221587ce"/>
-    <ds:schemaRef ds:uri="http://purl.org/dc/elements/1.1/"/>
-    <ds:schemaRef ds:uri="http://schemas.microsoft.com/office/2006/metadata/properties"/>
-    <ds:schemaRef ds:uri="http://www.w3.org/XML/1998/namespace"/>
+    <ds:schemaRef ds:uri="http://schemas.microsoft.com/sharepoint/v3/contenttype/forms"/>
   </ds:schemaRefs>
 </ds:datastoreItem>
 </file>